--- a/Computer Graphics.pptx
+++ b/Computer Graphics.pptx
@@ -11,6 +11,11 @@
     <p:sldId id="259" r:id="rId5"/>
     <p:sldId id="260" r:id="rId6"/>
     <p:sldId id="261" r:id="rId7"/>
+    <p:sldId id="262" r:id="rId8"/>
+    <p:sldId id="263" r:id="rId9"/>
+    <p:sldId id="264" r:id="rId10"/>
+    <p:sldId id="265" r:id="rId11"/>
+    <p:sldId id="266" r:id="rId12"/>
   </p:sldIdLst>
   <p:sldSz cx="12192000" cy="6858000"/>
   <p:notesSz cx="6858000" cy="9144000"/>
@@ -109,6 +114,11 @@
       </a:defRPr>
     </a:lvl9pPr>
   </p:defaultTextStyle>
+  <p:extLst>
+    <p:ext uri="{EFAFB233-063F-42B5-8137-9DF3F51BA10A}">
+      <p15:sldGuideLst xmlns:p15="http://schemas.microsoft.com/office/powerpoint/2012/main"/>
+    </p:ext>
+  </p:extLst>
 </p:presentation>
 </file>
 
@@ -515,7 +525,7 @@
           <a:p>
             <a:fld id="{C704F6DB-267B-4DF6-8A67-84D26A5CEE89}" type="datetimeFigureOut">
               <a:rPr lang="en-US" smtClean="0"/>
-              <a:t>3/3/2025</a:t>
+              <a:t>3/6/2025</a:t>
             </a:fld>
             <a:endParaRPr lang="en-US"/>
           </a:p>
@@ -694,7 +704,7 @@
           <a:p>
             <a:fld id="{C704F6DB-267B-4DF6-8A67-84D26A5CEE89}" type="datetimeFigureOut">
               <a:rPr lang="en-US" smtClean="0"/>
-              <a:t>3/3/2025</a:t>
+              <a:t>3/6/2025</a:t>
             </a:fld>
             <a:endParaRPr lang="en-US"/>
           </a:p>
@@ -874,7 +884,7 @@
           <a:p>
             <a:fld id="{C704F6DB-267B-4DF6-8A67-84D26A5CEE89}" type="datetimeFigureOut">
               <a:rPr lang="en-US" smtClean="0"/>
-              <a:t>3/3/2025</a:t>
+              <a:t>3/6/2025</a:t>
             </a:fld>
             <a:endParaRPr lang="en-US"/>
           </a:p>
@@ -1044,7 +1054,7 @@
           <a:p>
             <a:fld id="{C704F6DB-267B-4DF6-8A67-84D26A5CEE89}" type="datetimeFigureOut">
               <a:rPr lang="en-US" smtClean="0"/>
-              <a:t>3/3/2025</a:t>
+              <a:t>3/6/2025</a:t>
             </a:fld>
             <a:endParaRPr lang="en-US"/>
           </a:p>
@@ -1357,7 +1367,7 @@
           <a:p>
             <a:fld id="{C704F6DB-267B-4DF6-8A67-84D26A5CEE89}" type="datetimeFigureOut">
               <a:rPr lang="en-US" smtClean="0"/>
-              <a:t>3/3/2025</a:t>
+              <a:t>3/6/2025</a:t>
             </a:fld>
             <a:endParaRPr lang="en-US"/>
           </a:p>
@@ -1743,7 +1753,7 @@
           <a:p>
             <a:fld id="{C704F6DB-267B-4DF6-8A67-84D26A5CEE89}" type="datetimeFigureOut">
               <a:rPr lang="en-US" smtClean="0"/>
-              <a:t>3/3/2025</a:t>
+              <a:t>3/6/2025</a:t>
             </a:fld>
             <a:endParaRPr lang="en-US"/>
           </a:p>
@@ -2177,7 +2187,7 @@
           <a:p>
             <a:fld id="{C704F6DB-267B-4DF6-8A67-84D26A5CEE89}" type="datetimeFigureOut">
               <a:rPr lang="en-US" smtClean="0"/>
-              <a:t>3/3/2025</a:t>
+              <a:t>3/6/2025</a:t>
             </a:fld>
             <a:endParaRPr lang="en-US"/>
           </a:p>
@@ -2295,7 +2305,7 @@
           <a:p>
             <a:fld id="{C704F6DB-267B-4DF6-8A67-84D26A5CEE89}" type="datetimeFigureOut">
               <a:rPr lang="en-US" smtClean="0"/>
-              <a:t>3/3/2025</a:t>
+              <a:t>3/6/2025</a:t>
             </a:fld>
             <a:endParaRPr lang="en-US"/>
           </a:p>
@@ -2390,7 +2400,7 @@
           <a:p>
             <a:fld id="{C704F6DB-267B-4DF6-8A67-84D26A5CEE89}" type="datetimeFigureOut">
               <a:rPr lang="en-US" smtClean="0"/>
-              <a:t>3/3/2025</a:t>
+              <a:t>3/6/2025</a:t>
             </a:fld>
             <a:endParaRPr lang="en-US"/>
           </a:p>
@@ -2740,7 +2750,7 @@
           <a:p>
             <a:fld id="{C704F6DB-267B-4DF6-8A67-84D26A5CEE89}" type="datetimeFigureOut">
               <a:rPr lang="en-US" smtClean="0"/>
-              <a:t>3/3/2025</a:t>
+              <a:t>3/6/2025</a:t>
             </a:fld>
             <a:endParaRPr lang="en-US"/>
           </a:p>
@@ -3165,7 +3175,7 @@
           <a:p>
             <a:fld id="{C704F6DB-267B-4DF6-8A67-84D26A5CEE89}" type="datetimeFigureOut">
               <a:rPr lang="en-US" smtClean="0"/>
-              <a:t>3/3/2025</a:t>
+              <a:t>3/6/2025</a:t>
             </a:fld>
             <a:endParaRPr lang="en-US"/>
           </a:p>
@@ -3446,7 +3456,7 @@
           <a:p>
             <a:fld id="{C704F6DB-267B-4DF6-8A67-84D26A5CEE89}" type="datetimeFigureOut">
               <a:rPr lang="en-US" smtClean="0"/>
-              <a:t>3/3/2025</a:t>
+              <a:t>3/6/2025</a:t>
             </a:fld>
             <a:endParaRPr lang="en-US"/>
           </a:p>
@@ -4096,6 +4106,173 @@
 </p:sld>
 </file>
 
+<file path=ppt/slides/slide10.xml><?xml version="1.0" encoding="utf-8"?>
+<p:sld xmlns:a="http://schemas.openxmlformats.org/drawingml/2006/main" xmlns:r="http://schemas.openxmlformats.org/officeDocument/2006/relationships" xmlns:p="http://schemas.openxmlformats.org/presentationml/2006/main">
+  <p:cSld>
+    <p:spTree>
+      <p:nvGrpSpPr>
+        <p:cNvPr id="1" name=""/>
+        <p:cNvGrpSpPr/>
+        <p:nvPr/>
+      </p:nvGrpSpPr>
+      <p:grpSpPr>
+        <a:xfrm>
+          <a:off x="0" y="0"/>
+          <a:ext cx="0" cy="0"/>
+          <a:chOff x="0" y="0"/>
+          <a:chExt cx="0" cy="0"/>
+        </a:xfrm>
+      </p:grpSpPr>
+      <p:sp>
+        <p:nvSpPr>
+          <p:cNvPr id="2" name="Title 1">
+            <a:extLst>
+              <a:ext uri="{FF2B5EF4-FFF2-40B4-BE49-F238E27FC236}">
+                <a16:creationId xmlns:a16="http://schemas.microsoft.com/office/drawing/2014/main" id="{A2003FEA-E95C-D105-07F1-06D4040BA261}"/>
+              </a:ext>
+            </a:extLst>
+          </p:cNvPr>
+          <p:cNvSpPr>
+            <a:spLocks noGrp="1"/>
+          </p:cNvSpPr>
+          <p:nvPr>
+            <p:ph type="title"/>
+          </p:nvPr>
+        </p:nvSpPr>
+        <p:spPr/>
+        <p:txBody>
+          <a:bodyPr/>
+          <a:lstStyle/>
+          <a:p>
+            <a:r>
+              <a:rPr lang="en-US" sz="5400" dirty="0">
+                <a:latin typeface="+mj-lt"/>
+              </a:rPr>
+              <a:t>Summary</a:t>
+            </a:r>
+            <a:br>
+              <a:rPr lang="en-US" sz="5400" dirty="0">
+                <a:latin typeface="+mj-lt"/>
+              </a:rPr>
+            </a:br>
+            <a:endParaRPr lang="en-US" dirty="0"/>
+          </a:p>
+        </p:txBody>
+      </p:sp>
+      <p:sp>
+        <p:nvSpPr>
+          <p:cNvPr id="3" name="Content Placeholder 2">
+            <a:extLst>
+              <a:ext uri="{FF2B5EF4-FFF2-40B4-BE49-F238E27FC236}">
+                <a16:creationId xmlns:a16="http://schemas.microsoft.com/office/drawing/2014/main" id="{71512B3D-6419-C3BF-9F3C-AD47E36180C7}"/>
+              </a:ext>
+            </a:extLst>
+          </p:cNvPr>
+          <p:cNvSpPr>
+            <a:spLocks noGrp="1"/>
+          </p:cNvSpPr>
+          <p:nvPr>
+            <p:ph idx="1"/>
+          </p:nvPr>
+        </p:nvSpPr>
+        <p:spPr/>
+        <p:txBody>
+          <a:bodyPr/>
+          <a:lstStyle/>
+          <a:p>
+            <a:r>
+              <a:rPr lang="en-US" dirty="0"/>
+              <a:t>Empowers Creativity: Used in design, entertainment, and interactive media.</a:t>
+            </a:r>
+          </a:p>
+          <a:p>
+            <a:r>
+              <a:rPr lang="en-US" dirty="0"/>
+              <a:t>Improves Efficiency: Essential in industries like healthcare, science, and education.</a:t>
+            </a:r>
+          </a:p>
+          <a:p>
+            <a:r>
+              <a:rPr lang="en-US" dirty="0"/>
+              <a:t>Future Innovation: Driving AR/VR advancements and shaping interactive technologies.</a:t>
+            </a:r>
+          </a:p>
+          <a:p>
+            <a:endParaRPr lang="en-US" dirty="0"/>
+          </a:p>
+        </p:txBody>
+      </p:sp>
+    </p:spTree>
+    <p:extLst>
+      <p:ext uri="{BB962C8B-B14F-4D97-AF65-F5344CB8AC3E}">
+        <p14:creationId xmlns:p14="http://schemas.microsoft.com/office/powerpoint/2010/main" val="1094945434"/>
+      </p:ext>
+    </p:extLst>
+  </p:cSld>
+  <p:clrMapOvr>
+    <a:masterClrMapping/>
+  </p:clrMapOvr>
+</p:sld>
+</file>
+
+<file path=ppt/slides/slide11.xml><?xml version="1.0" encoding="utf-8"?>
+<p:sld xmlns:a="http://schemas.openxmlformats.org/drawingml/2006/main" xmlns:r="http://schemas.openxmlformats.org/officeDocument/2006/relationships" xmlns:p="http://schemas.openxmlformats.org/presentationml/2006/main">
+  <p:cSld>
+    <p:spTree>
+      <p:nvGrpSpPr>
+        <p:cNvPr id="1" name=""/>
+        <p:cNvGrpSpPr/>
+        <p:nvPr/>
+      </p:nvGrpSpPr>
+      <p:grpSpPr>
+        <a:xfrm>
+          <a:off x="0" y="0"/>
+          <a:ext cx="0" cy="0"/>
+          <a:chOff x="0" y="0"/>
+          <a:chExt cx="0" cy="0"/>
+        </a:xfrm>
+      </p:grpSpPr>
+      <p:sp>
+        <p:nvSpPr>
+          <p:cNvPr id="4" name="Title 3">
+            <a:extLst>
+              <a:ext uri="{FF2B5EF4-FFF2-40B4-BE49-F238E27FC236}">
+                <a16:creationId xmlns:a16="http://schemas.microsoft.com/office/drawing/2014/main" id="{B8794175-6A2E-AEF0-921C-F4F7F8F1FBB4}"/>
+              </a:ext>
+            </a:extLst>
+          </p:cNvPr>
+          <p:cNvSpPr>
+            <a:spLocks noGrp="1"/>
+          </p:cNvSpPr>
+          <p:nvPr>
+            <p:ph type="ctrTitle"/>
+          </p:nvPr>
+        </p:nvSpPr>
+        <p:spPr/>
+        <p:txBody>
+          <a:bodyPr/>
+          <a:lstStyle/>
+          <a:p>
+            <a:r>
+              <a:rPr lang="en-US" dirty="0"/>
+              <a:t>Thank You!</a:t>
+            </a:r>
+          </a:p>
+        </p:txBody>
+      </p:sp>
+    </p:spTree>
+    <p:extLst>
+      <p:ext uri="{BB962C8B-B14F-4D97-AF65-F5344CB8AC3E}">
+        <p14:creationId xmlns:p14="http://schemas.microsoft.com/office/powerpoint/2010/main" val="2143778724"/>
+      </p:ext>
+    </p:extLst>
+  </p:cSld>
+  <p:clrMapOvr>
+    <a:masterClrMapping/>
+  </p:clrMapOvr>
+</p:sld>
+</file>
+
 <file path=ppt/slides/slide2.xml><?xml version="1.0" encoding="utf-8"?>
 <p:sld xmlns:a="http://schemas.openxmlformats.org/drawingml/2006/main" xmlns:r="http://schemas.openxmlformats.org/officeDocument/2006/relationships" xmlns:p="http://schemas.openxmlformats.org/presentationml/2006/main">
   <p:cSld>
@@ -4871,7 +5048,10 @@
           <a:bodyPr/>
           <a:lstStyle/>
           <a:p>
-            <a:endParaRPr lang="en-US"/>
+            <a:r>
+              <a:rPr lang="en-US" dirty="0"/>
+              <a:t>Frame Buffer &amp; Video Memory</a:t>
+            </a:r>
           </a:p>
         </p:txBody>
       </p:sp>
@@ -4896,7 +5076,22 @@
           <a:bodyPr/>
           <a:lstStyle/>
           <a:p>
-            <a:endParaRPr lang="en-US" dirty="0"/>
+            <a:r>
+              <a:rPr lang="en-US" dirty="0"/>
+              <a:t>Frame Buffer: Holds the current image on the screen.</a:t>
+            </a:r>
+          </a:p>
+          <a:p>
+            <a:r>
+              <a:rPr lang="en-US" dirty="0"/>
+              <a:t>Video Memory Calculation:</a:t>
+            </a:r>
+          </a:p>
+          <a:p>
+            <a:r>
+              <a:rPr lang="en-US" dirty="0"/>
+              <a:t>Memory (MB) = (X-resolution * Y-resolution * Bits per pixel) / (8 * 1024 * 1024)</a:t>
+            </a:r>
           </a:p>
         </p:txBody>
       </p:sp>
@@ -4904,6 +5099,391 @@
     <p:extLst>
       <p:ext uri="{BB962C8B-B14F-4D97-AF65-F5344CB8AC3E}">
         <p14:creationId xmlns:p14="http://schemas.microsoft.com/office/powerpoint/2010/main" val="2621668355"/>
+      </p:ext>
+    </p:extLst>
+  </p:cSld>
+  <p:clrMapOvr>
+    <a:masterClrMapping/>
+  </p:clrMapOvr>
+</p:sld>
+</file>
+
+<file path=ppt/slides/slide7.xml><?xml version="1.0" encoding="utf-8"?>
+<p:sld xmlns:a="http://schemas.openxmlformats.org/drawingml/2006/main" xmlns:r="http://schemas.openxmlformats.org/officeDocument/2006/relationships" xmlns:p="http://schemas.openxmlformats.org/presentationml/2006/main">
+  <p:cSld>
+    <p:spTree>
+      <p:nvGrpSpPr>
+        <p:cNvPr id="1" name=""/>
+        <p:cNvGrpSpPr/>
+        <p:nvPr/>
+      </p:nvGrpSpPr>
+      <p:grpSpPr>
+        <a:xfrm>
+          <a:off x="0" y="0"/>
+          <a:ext cx="0" cy="0"/>
+          <a:chOff x="0" y="0"/>
+          <a:chExt cx="0" cy="0"/>
+        </a:xfrm>
+      </p:grpSpPr>
+      <p:sp>
+        <p:nvSpPr>
+          <p:cNvPr id="2" name="Title 1">
+            <a:extLst>
+              <a:ext uri="{FF2B5EF4-FFF2-40B4-BE49-F238E27FC236}">
+                <a16:creationId xmlns:a16="http://schemas.microsoft.com/office/drawing/2014/main" id="{32288767-9FE7-56D6-A665-66924C0F98D3}"/>
+              </a:ext>
+            </a:extLst>
+          </p:cNvPr>
+          <p:cNvSpPr>
+            <a:spLocks noGrp="1"/>
+          </p:cNvSpPr>
+          <p:nvPr>
+            <p:ph type="title"/>
+          </p:nvPr>
+        </p:nvSpPr>
+        <p:spPr/>
+        <p:txBody>
+          <a:bodyPr/>
+          <a:lstStyle/>
+          <a:p>
+            <a:r>
+              <a:rPr lang="en-US" dirty="0"/>
+              <a:t>Display Technologies</a:t>
+            </a:r>
+          </a:p>
+        </p:txBody>
+      </p:sp>
+      <p:sp>
+        <p:nvSpPr>
+          <p:cNvPr id="3" name="Content Placeholder 2">
+            <a:extLst>
+              <a:ext uri="{FF2B5EF4-FFF2-40B4-BE49-F238E27FC236}">
+                <a16:creationId xmlns:a16="http://schemas.microsoft.com/office/drawing/2014/main" id="{715A4541-C8E5-4BC5-7D68-DBC30273F12F}"/>
+              </a:ext>
+            </a:extLst>
+          </p:cNvPr>
+          <p:cNvSpPr>
+            <a:spLocks noGrp="1"/>
+          </p:cNvSpPr>
+          <p:nvPr>
+            <p:ph idx="1"/>
+          </p:nvPr>
+        </p:nvSpPr>
+        <p:spPr/>
+        <p:txBody>
+          <a:bodyPr/>
+          <a:lstStyle/>
+          <a:p>
+            <a:r>
+              <a:rPr lang="en-US" dirty="0"/>
+              <a:t>Raster Scan Display: Pixels are drawn left-to-right, top-to-bottom.</a:t>
+            </a:r>
+          </a:p>
+          <a:p>
+            <a:r>
+              <a:rPr lang="en-US" dirty="0"/>
+              <a:t>Random Scan Display: Directly targets specific points, used for sharper vector images.</a:t>
+            </a:r>
+          </a:p>
+          <a:p>
+            <a:endParaRPr lang="en-US" dirty="0"/>
+          </a:p>
+        </p:txBody>
+      </p:sp>
+    </p:spTree>
+    <p:extLst>
+      <p:ext uri="{BB962C8B-B14F-4D97-AF65-F5344CB8AC3E}">
+        <p14:creationId xmlns:p14="http://schemas.microsoft.com/office/powerpoint/2010/main" val="2301738011"/>
+      </p:ext>
+    </p:extLst>
+  </p:cSld>
+  <p:clrMapOvr>
+    <a:masterClrMapping/>
+  </p:clrMapOvr>
+</p:sld>
+</file>
+
+<file path=ppt/slides/slide8.xml><?xml version="1.0" encoding="utf-8"?>
+<p:sld xmlns:a="http://schemas.openxmlformats.org/drawingml/2006/main" xmlns:r="http://schemas.openxmlformats.org/officeDocument/2006/relationships" xmlns:p="http://schemas.openxmlformats.org/presentationml/2006/main">
+  <p:cSld>
+    <p:spTree>
+      <p:nvGrpSpPr>
+        <p:cNvPr id="1" name=""/>
+        <p:cNvGrpSpPr/>
+        <p:nvPr/>
+      </p:nvGrpSpPr>
+      <p:grpSpPr>
+        <a:xfrm>
+          <a:off x="0" y="0"/>
+          <a:ext cx="0" cy="0"/>
+          <a:chOff x="0" y="0"/>
+          <a:chExt cx="0" cy="0"/>
+        </a:xfrm>
+      </p:grpSpPr>
+      <p:sp>
+        <p:nvSpPr>
+          <p:cNvPr id="2" name="Title 1">
+            <a:extLst>
+              <a:ext uri="{FF2B5EF4-FFF2-40B4-BE49-F238E27FC236}">
+                <a16:creationId xmlns:a16="http://schemas.microsoft.com/office/drawing/2014/main" id="{3CE2C894-AE7A-C9F6-E88E-583FA6B291A2}"/>
+              </a:ext>
+            </a:extLst>
+          </p:cNvPr>
+          <p:cNvSpPr>
+            <a:spLocks noGrp="1"/>
+          </p:cNvSpPr>
+          <p:nvPr>
+            <p:ph type="title"/>
+          </p:nvPr>
+        </p:nvSpPr>
+        <p:spPr/>
+        <p:txBody>
+          <a:bodyPr/>
+          <a:lstStyle/>
+          <a:p>
+            <a:r>
+              <a:rPr lang="en-US" dirty="0"/>
+              <a:t>Flat Panel Displays</a:t>
+            </a:r>
+          </a:p>
+        </p:txBody>
+      </p:sp>
+      <p:sp>
+        <p:nvSpPr>
+          <p:cNvPr id="3" name="Content Placeholder 2">
+            <a:extLst>
+              <a:ext uri="{FF2B5EF4-FFF2-40B4-BE49-F238E27FC236}">
+                <a16:creationId xmlns:a16="http://schemas.microsoft.com/office/drawing/2014/main" id="{C26323F1-1C2A-187D-9360-DD38E575D44D}"/>
+              </a:ext>
+            </a:extLst>
+          </p:cNvPr>
+          <p:cNvSpPr>
+            <a:spLocks noGrp="1"/>
+          </p:cNvSpPr>
+          <p:nvPr>
+            <p:ph idx="1"/>
+          </p:nvPr>
+        </p:nvSpPr>
+        <p:spPr>
+          <a:xfrm>
+            <a:off x="1214225" y="2057480"/>
+            <a:ext cx="9614194" cy="1307592"/>
+          </a:xfrm>
+        </p:spPr>
+        <p:txBody>
+          <a:bodyPr/>
+          <a:lstStyle/>
+          <a:p>
+            <a:r>
+              <a:rPr lang="en-US" dirty="0"/>
+              <a:t>LCD (Liquid Crystal Display): Thin, energy-efficient, and high resolution.</a:t>
+            </a:r>
+          </a:p>
+          <a:p>
+            <a:r>
+              <a:rPr lang="en-US" dirty="0"/>
+              <a:t>Plasma Display: Uses ionized gas to create vivid colors, great for large screens but expensive.</a:t>
+            </a:r>
+          </a:p>
+        </p:txBody>
+      </p:sp>
+      <p:sp>
+        <p:nvSpPr>
+          <p:cNvPr id="4" name="TextBox 3">
+            <a:extLst>
+              <a:ext uri="{FF2B5EF4-FFF2-40B4-BE49-F238E27FC236}">
+                <a16:creationId xmlns:a16="http://schemas.microsoft.com/office/drawing/2014/main" id="{586C7230-F711-15C3-8112-3D6A5EB170FB}"/>
+              </a:ext>
+            </a:extLst>
+          </p:cNvPr>
+          <p:cNvSpPr txBox="1"/>
+          <p:nvPr/>
+        </p:nvSpPr>
+        <p:spPr>
+          <a:xfrm>
+            <a:off x="1069848" y="3365072"/>
+            <a:ext cx="9614193" cy="923330"/>
+          </a:xfrm>
+          <a:prstGeom prst="rect">
+            <a:avLst/>
+          </a:prstGeom>
+          <a:noFill/>
+        </p:spPr>
+        <p:txBody>
+          <a:bodyPr wrap="square" rtlCol="0">
+            <a:spAutoFit/>
+          </a:bodyPr>
+          <a:lstStyle/>
+          <a:p>
+            <a:r>
+              <a:rPr lang="en-US" sz="5400" dirty="0">
+                <a:latin typeface="+mj-lt"/>
+              </a:rPr>
+              <a:t>3D Displays</a:t>
+            </a:r>
+          </a:p>
+        </p:txBody>
+      </p:sp>
+      <p:sp>
+        <p:nvSpPr>
+          <p:cNvPr id="5" name="TextBox 4">
+            <a:extLst>
+              <a:ext uri="{FF2B5EF4-FFF2-40B4-BE49-F238E27FC236}">
+                <a16:creationId xmlns:a16="http://schemas.microsoft.com/office/drawing/2014/main" id="{29A5F00E-4237-BDFF-84AD-9FA4D3946902}"/>
+              </a:ext>
+            </a:extLst>
+          </p:cNvPr>
+          <p:cNvSpPr txBox="1"/>
+          <p:nvPr/>
+        </p:nvSpPr>
+        <p:spPr>
+          <a:xfrm>
+            <a:off x="1069848" y="4748462"/>
+            <a:ext cx="9914022" cy="923330"/>
+          </a:xfrm>
+          <a:prstGeom prst="rect">
+            <a:avLst/>
+          </a:prstGeom>
+          <a:noFill/>
+        </p:spPr>
+        <p:txBody>
+          <a:bodyPr wrap="square" rtlCol="0">
+            <a:spAutoFit/>
+          </a:bodyPr>
+          <a:lstStyle/>
+          <a:p>
+            <a:pPr marL="285750" indent="-285750">
+              <a:buClr>
+                <a:schemeClr val="accent1">
+                  <a:lumMod val="75000"/>
+                </a:schemeClr>
+              </a:buClr>
+              <a:buFont typeface="Wingdings" panose="05000000000000000000" pitchFamily="2" charset="2"/>
+              <a:buChar char="§"/>
+            </a:pPr>
+            <a:r>
+              <a:rPr lang="en-US" dirty="0"/>
+              <a:t>Stereoscopic &amp; VR: Creates 3D visuals for immersive experiences in virtual reality and simulations.</a:t>
+            </a:r>
+          </a:p>
+          <a:p>
+            <a:endParaRPr lang="en-US" dirty="0"/>
+          </a:p>
+        </p:txBody>
+      </p:sp>
+    </p:spTree>
+    <p:extLst>
+      <p:ext uri="{BB962C8B-B14F-4D97-AF65-F5344CB8AC3E}">
+        <p14:creationId xmlns:p14="http://schemas.microsoft.com/office/powerpoint/2010/main" val="3185944225"/>
+      </p:ext>
+    </p:extLst>
+  </p:cSld>
+  <p:clrMapOvr>
+    <a:masterClrMapping/>
+  </p:clrMapOvr>
+</p:sld>
+</file>
+
+<file path=ppt/slides/slide9.xml><?xml version="1.0" encoding="utf-8"?>
+<p:sld xmlns:a="http://schemas.openxmlformats.org/drawingml/2006/main" xmlns:r="http://schemas.openxmlformats.org/officeDocument/2006/relationships" xmlns:p="http://schemas.openxmlformats.org/presentationml/2006/main">
+  <p:cSld>
+    <p:spTree>
+      <p:nvGrpSpPr>
+        <p:cNvPr id="1" name=""/>
+        <p:cNvGrpSpPr/>
+        <p:nvPr/>
+      </p:nvGrpSpPr>
+      <p:grpSpPr>
+        <a:xfrm>
+          <a:off x="0" y="0"/>
+          <a:ext cx="0" cy="0"/>
+          <a:chOff x="0" y="0"/>
+          <a:chExt cx="0" cy="0"/>
+        </a:xfrm>
+      </p:grpSpPr>
+      <p:sp>
+        <p:nvSpPr>
+          <p:cNvPr id="2" name="Title 1">
+            <a:extLst>
+              <a:ext uri="{FF2B5EF4-FFF2-40B4-BE49-F238E27FC236}">
+                <a16:creationId xmlns:a16="http://schemas.microsoft.com/office/drawing/2014/main" id="{FE08C58A-940A-8A31-973D-D2CD8C2BCA01}"/>
+              </a:ext>
+            </a:extLst>
+          </p:cNvPr>
+          <p:cNvSpPr>
+            <a:spLocks noGrp="1"/>
+          </p:cNvSpPr>
+          <p:nvPr>
+            <p:ph type="title"/>
+          </p:nvPr>
+        </p:nvSpPr>
+        <p:spPr/>
+        <p:txBody>
+          <a:bodyPr/>
+          <a:lstStyle/>
+          <a:p>
+            <a:r>
+              <a:rPr lang="en-US" dirty="0"/>
+              <a:t>Image Scanners</a:t>
+            </a:r>
+          </a:p>
+        </p:txBody>
+      </p:sp>
+      <p:sp>
+        <p:nvSpPr>
+          <p:cNvPr id="3" name="Content Placeholder 2">
+            <a:extLst>
+              <a:ext uri="{FF2B5EF4-FFF2-40B4-BE49-F238E27FC236}">
+                <a16:creationId xmlns:a16="http://schemas.microsoft.com/office/drawing/2014/main" id="{0F391C00-0EA4-8535-5469-4C4C8344CF49}"/>
+              </a:ext>
+            </a:extLst>
+          </p:cNvPr>
+          <p:cNvSpPr>
+            <a:spLocks noGrp="1"/>
+          </p:cNvSpPr>
+          <p:nvPr>
+            <p:ph idx="1"/>
+          </p:nvPr>
+        </p:nvSpPr>
+        <p:spPr>
+          <a:xfrm>
+            <a:off x="1069848" y="2121408"/>
+            <a:ext cx="8699794" cy="1609344"/>
+          </a:xfrm>
+        </p:spPr>
+        <p:txBody>
+          <a:bodyPr/>
+          <a:lstStyle/>
+          <a:p>
+            <a:r>
+              <a:rPr lang="en-US" dirty="0"/>
+              <a:t>Drum Scanner: High-end, professional quality scanning.</a:t>
+            </a:r>
+          </a:p>
+          <a:p>
+            <a:r>
+              <a:rPr lang="en-US" dirty="0"/>
+              <a:t>Flatbed Scanner: Versatile, general-purpose scanner.</a:t>
+            </a:r>
+          </a:p>
+          <a:p>
+            <a:r>
+              <a:rPr lang="en-US" dirty="0"/>
+              <a:t>Handheld Scanner: Portable, used for quick document scanning.</a:t>
+            </a:r>
+          </a:p>
+          <a:p>
+            <a:pPr marL="0" indent="0">
+              <a:buNone/>
+            </a:pPr>
+            <a:endParaRPr lang="en-US" dirty="0"/>
+          </a:p>
+        </p:txBody>
+      </p:sp>
+    </p:spTree>
+    <p:extLst>
+      <p:ext uri="{BB962C8B-B14F-4D97-AF65-F5344CB8AC3E}">
+        <p14:creationId xmlns:p14="http://schemas.microsoft.com/office/powerpoint/2010/main" val="2035376534"/>
       </p:ext>
     </p:extLst>
   </p:cSld>

--- a/Computer Graphics.pptx
+++ b/Computer Graphics.pptx
@@ -4260,6 +4260,42 @@
           </a:p>
         </p:txBody>
       </p:sp>
+      <p:pic>
+        <p:nvPicPr>
+          <p:cNvPr id="7" name="Picture 6">
+            <a:extLst>
+              <a:ext uri="{FF2B5EF4-FFF2-40B4-BE49-F238E27FC236}">
+                <a16:creationId xmlns:a16="http://schemas.microsoft.com/office/drawing/2014/main" id="{6E353242-DF6C-2842-4E41-2AA24B6984CC}"/>
+              </a:ext>
+            </a:extLst>
+          </p:cNvPr>
+          <p:cNvPicPr>
+            <a:picLocks noChangeAspect="1"/>
+          </p:cNvPicPr>
+          <p:nvPr/>
+        </p:nvPicPr>
+        <p:blipFill>
+          <a:blip r:embed="rId2">
+            <a:extLst>
+              <a:ext uri="{28A0092B-C50C-407E-A947-70E740481C1C}">
+                <a14:useLocalDpi xmlns:a14="http://schemas.microsoft.com/office/drawing/2010/main" val="0"/>
+              </a:ext>
+            </a:extLst>
+          </a:blip>
+          <a:stretch>
+            <a:fillRect/>
+          </a:stretch>
+        </p:blipFill>
+        <p:spPr>
+          <a:xfrm>
+            <a:off x="0" y="-178068"/>
+            <a:ext cx="12192000" cy="7036068"/>
+          </a:xfrm>
+          <a:prstGeom prst="rect">
+            <a:avLst/>
+          </a:prstGeom>
+        </p:spPr>
+      </p:pic>
     </p:spTree>
     <p:extLst>
       <p:ext uri="{BB962C8B-B14F-4D97-AF65-F5344CB8AC3E}">
@@ -5190,6 +5226,42 @@
           </a:p>
         </p:txBody>
       </p:sp>
+      <p:pic>
+        <p:nvPicPr>
+          <p:cNvPr id="5" name="Picture 4">
+            <a:extLst>
+              <a:ext uri="{FF2B5EF4-FFF2-40B4-BE49-F238E27FC236}">
+                <a16:creationId xmlns:a16="http://schemas.microsoft.com/office/drawing/2014/main" id="{CA7E851B-03B8-7DBD-91AB-2137A580D6D6}"/>
+              </a:ext>
+            </a:extLst>
+          </p:cNvPr>
+          <p:cNvPicPr>
+            <a:picLocks noChangeAspect="1"/>
+          </p:cNvPicPr>
+          <p:nvPr/>
+        </p:nvPicPr>
+        <p:blipFill>
+          <a:blip r:embed="rId2">
+            <a:extLst>
+              <a:ext uri="{28A0092B-C50C-407E-A947-70E740481C1C}">
+                <a14:useLocalDpi xmlns:a14="http://schemas.microsoft.com/office/drawing/2010/main" val="0"/>
+              </a:ext>
+            </a:extLst>
+          </a:blip>
+          <a:stretch>
+            <a:fillRect/>
+          </a:stretch>
+        </p:blipFill>
+        <p:spPr>
+          <a:xfrm>
+            <a:off x="1063752" y="3429000"/>
+            <a:ext cx="5800090" cy="3254903"/>
+          </a:xfrm>
+          <a:prstGeom prst="rect">
+            <a:avLst/>
+          </a:prstGeom>
+        </p:spPr>
+      </p:pic>
     </p:spTree>
     <p:extLst>
       <p:ext uri="{BB962C8B-B14F-4D97-AF65-F5344CB8AC3E}">
@@ -5480,6 +5552,42 @@
           </a:p>
         </p:txBody>
       </p:sp>
+      <p:pic>
+        <p:nvPicPr>
+          <p:cNvPr id="8" name="Picture 7">
+            <a:extLst>
+              <a:ext uri="{FF2B5EF4-FFF2-40B4-BE49-F238E27FC236}">
+                <a16:creationId xmlns:a16="http://schemas.microsoft.com/office/drawing/2014/main" id="{CCFFEEAB-0B12-34B7-7C94-1A5803025C98}"/>
+              </a:ext>
+            </a:extLst>
+          </p:cNvPr>
+          <p:cNvPicPr>
+            <a:picLocks noChangeAspect="1"/>
+          </p:cNvPicPr>
+          <p:nvPr/>
+        </p:nvPicPr>
+        <p:blipFill>
+          <a:blip r:embed="rId2">
+            <a:extLst>
+              <a:ext uri="{28A0092B-C50C-407E-A947-70E740481C1C}">
+                <a14:useLocalDpi xmlns:a14="http://schemas.microsoft.com/office/drawing/2010/main" val="0"/>
+              </a:ext>
+            </a:extLst>
+          </a:blip>
+          <a:stretch>
+            <a:fillRect/>
+          </a:stretch>
+        </p:blipFill>
+        <p:spPr>
+          <a:xfrm>
+            <a:off x="6023964" y="3305538"/>
+            <a:ext cx="3745678" cy="3322417"/>
+          </a:xfrm>
+          <a:prstGeom prst="rect">
+            <a:avLst/>
+          </a:prstGeom>
+        </p:spPr>
+      </p:pic>
     </p:spTree>
     <p:extLst>
       <p:ext uri="{BB962C8B-B14F-4D97-AF65-F5344CB8AC3E}">
